--- a/4. UI/Day 29/Slides/2. Introduction and Setting up Bootstrap/introduction-and-setting-up-bootstrap-slides.pptx
+++ b/4. UI/Day 29/Slides/2. Introduction and Setting up Bootstrap/introduction-and-setting-up-bootstrap-slides.pptx
@@ -5,7 +5,7 @@
     <p:sldMasterId id="2147483648" r:id="rId1"/>
   </p:sldMasterIdLst>
   <p:notesMasterIdLst>
-    <p:notesMasterId r:id="rId26"/>
+    <p:notesMasterId r:id="rId25"/>
   </p:notesMasterIdLst>
   <p:sldIdLst>
     <p:sldId id="256" r:id="rId3"/>
@@ -23,14 +23,13 @@
     <p:sldId id="267" r:id="rId15"/>
     <p:sldId id="268" r:id="rId16"/>
     <p:sldId id="269" r:id="rId17"/>
-    <p:sldId id="277" r:id="rId18"/>
-    <p:sldId id="278" r:id="rId19"/>
-    <p:sldId id="270" r:id="rId20"/>
-    <p:sldId id="271" r:id="rId21"/>
-    <p:sldId id="272" r:id="rId22"/>
-    <p:sldId id="273" r:id="rId23"/>
-    <p:sldId id="274" r:id="rId24"/>
-    <p:sldId id="275" r:id="rId25"/>
+    <p:sldId id="278" r:id="rId18"/>
+    <p:sldId id="270" r:id="rId19"/>
+    <p:sldId id="271" r:id="rId20"/>
+    <p:sldId id="272" r:id="rId21"/>
+    <p:sldId id="273" r:id="rId22"/>
+    <p:sldId id="274" r:id="rId23"/>
+    <p:sldId id="275" r:id="rId24"/>
   </p:sldIdLst>
   <p:sldSz cx="16256000" cy="9144000"/>
   <p:notesSz cx="16256000" cy="9144000"/>
@@ -2459,81 +2458,6 @@
         <p:cNvGrpSpPr/>
         <p:nvPr/>
       </p:nvGrpSpPr>
-      <p:grpSpPr/>
-      <p:sp>
-        <p:nvSpPr>
-          <p:cNvPr id="2" name="Title 1"/>
-          <p:cNvSpPr>
-            <a:spLocks noGrp="1"/>
-          </p:cNvSpPr>
-          <p:nvPr>
-            <p:ph type="ctrTitle"/>
-          </p:nvPr>
-        </p:nvSpPr>
-        <p:spPr/>
-        <p:txBody>
-          <a:bodyPr/>
-          <a:p>
-            <a:endParaRPr lang="en-US"/>
-          </a:p>
-        </p:txBody>
-      </p:sp>
-      <p:sp>
-        <p:nvSpPr>
-          <p:cNvPr id="3" name="Subtitle 2"/>
-          <p:cNvSpPr>
-            <a:spLocks noGrp="1"/>
-          </p:cNvSpPr>
-          <p:nvPr>
-            <p:ph type="subTitle" idx="4"/>
-          </p:nvPr>
-        </p:nvSpPr>
-        <p:spPr/>
-        <p:txBody>
-          <a:bodyPr/>
-          <a:p>
-            <a:endParaRPr lang="en-US"/>
-          </a:p>
-        </p:txBody>
-      </p:sp>
-      <p:sp>
-        <p:nvSpPr>
-          <p:cNvPr id="4" name="Slide Number Placeholder 3"/>
-          <p:cNvSpPr>
-            <a:spLocks noGrp="1"/>
-          </p:cNvSpPr>
-          <p:nvPr>
-            <p:ph type="sldNum" sz="quarter" idx="7"/>
-          </p:nvPr>
-        </p:nvSpPr>
-        <p:spPr/>
-        <p:txBody>
-          <a:bodyPr/>
-          <a:p>
-            <a:fld id="{B6F15528-21DE-4FAA-801E-634DDDAF4B2B}" type="slidenum">
-              <a:rPr/>
-            </a:fld>
-            <a:endParaRPr/>
-          </a:p>
-        </p:txBody>
-      </p:sp>
-    </p:spTree>
-  </p:cSld>
-  <p:clrMapOvr>
-    <a:masterClrMapping/>
-  </p:clrMapOvr>
-</p:sld>
-</file>
-
-<file path=ppt/slides/slide17.xml><?xml version="1.0" encoding="utf-8"?>
-<p:sld xmlns:a="http://schemas.openxmlformats.org/drawingml/2006/main" xmlns:r="http://schemas.openxmlformats.org/officeDocument/2006/relationships" xmlns:p="http://schemas.openxmlformats.org/presentationml/2006/main">
-  <p:cSld>
-    <p:spTree>
-      <p:nvGrpSpPr>
-        <p:cNvPr id="1" name=""/>
-        <p:cNvGrpSpPr/>
-        <p:nvPr/>
-      </p:nvGrpSpPr>
       <p:grpSpPr>
         <a:xfrm>
           <a:off x="0" y="0"/>
@@ -2593,7 +2517,7 @@
 </p:sld>
 </file>
 
-<file path=ppt/slides/slide18.xml><?xml version="1.0" encoding="utf-8"?>
+<file path=ppt/slides/slide17.xml><?xml version="1.0" encoding="utf-8"?>
 <p:sld xmlns:a="http://schemas.openxmlformats.org/drawingml/2006/main" xmlns:r="http://schemas.openxmlformats.org/officeDocument/2006/relationships" xmlns:p="http://schemas.openxmlformats.org/presentationml/2006/main" showMasterSp="0">
   <p:cSld>
     <p:spTree>
@@ -2837,7 +2761,7 @@
 </p:sld>
 </file>
 
-<file path=ppt/slides/slide19.xml><?xml version="1.0" encoding="utf-8"?>
+<file path=ppt/slides/slide18.xml><?xml version="1.0" encoding="utf-8"?>
 <p:sld xmlns:a="http://schemas.openxmlformats.org/drawingml/2006/main" xmlns:r="http://schemas.openxmlformats.org/officeDocument/2006/relationships" xmlns:p="http://schemas.openxmlformats.org/presentationml/2006/main">
   <p:cSld>
     <p:spTree>
@@ -2924,106 +2848,7 @@
 </p:sld>
 </file>
 
-<file path=ppt/slides/slide2.xml><?xml version="1.0" encoding="utf-8"?>
-<p:sld xmlns:a="http://schemas.openxmlformats.org/drawingml/2006/main" xmlns:r="http://schemas.openxmlformats.org/officeDocument/2006/relationships" xmlns:p="http://schemas.openxmlformats.org/presentationml/2006/main">
-  <p:cSld>
-    <p:spTree>
-      <p:nvGrpSpPr>
-        <p:cNvPr id="1" name=""/>
-        <p:cNvGrpSpPr/>
-        <p:nvPr/>
-      </p:nvGrpSpPr>
-      <p:grpSpPr/>
-      <p:sp>
-        <p:nvSpPr>
-          <p:cNvPr id="2" name="Title 1"/>
-          <p:cNvSpPr>
-            <a:spLocks noGrp="1"/>
-          </p:cNvSpPr>
-          <p:nvPr>
-            <p:ph type="ctrTitle"/>
-          </p:nvPr>
-        </p:nvSpPr>
-        <p:spPr/>
-        <p:txBody>
-          <a:bodyPr/>
-          <a:p>
-            <a:endParaRPr lang="en-US"/>
-          </a:p>
-        </p:txBody>
-      </p:sp>
-      <p:sp>
-        <p:nvSpPr>
-          <p:cNvPr id="3" name="Subtitle 2"/>
-          <p:cNvSpPr>
-            <a:spLocks noGrp="1"/>
-          </p:cNvSpPr>
-          <p:nvPr>
-            <p:ph type="subTitle" idx="4"/>
-          </p:nvPr>
-        </p:nvSpPr>
-        <p:spPr/>
-        <p:txBody>
-          <a:bodyPr/>
-          <a:p>
-            <a:endParaRPr lang="en-US"/>
-          </a:p>
-        </p:txBody>
-      </p:sp>
-      <p:sp>
-        <p:nvSpPr>
-          <p:cNvPr id="4" name="Slide Number Placeholder 3"/>
-          <p:cNvSpPr>
-            <a:spLocks noGrp="1"/>
-          </p:cNvSpPr>
-          <p:nvPr>
-            <p:ph type="sldNum" sz="quarter" idx="7"/>
-          </p:nvPr>
-        </p:nvSpPr>
-        <p:spPr/>
-        <p:txBody>
-          <a:bodyPr/>
-          <a:p>
-            <a:fld id="{B6F15528-21DE-4FAA-801E-634DDDAF4B2B}" type="slidenum">
-              <a:rPr/>
-            </a:fld>
-            <a:endParaRPr/>
-          </a:p>
-        </p:txBody>
-      </p:sp>
-      <p:pic>
-        <p:nvPicPr>
-          <p:cNvPr id="5" name="Picture 4"/>
-          <p:cNvPicPr>
-            <a:picLocks noChangeAspect="1"/>
-          </p:cNvPicPr>
-          <p:nvPr/>
-        </p:nvPicPr>
-        <p:blipFill>
-          <a:blip r:embed="rId1"/>
-          <a:stretch>
-            <a:fillRect/>
-          </a:stretch>
-        </p:blipFill>
-        <p:spPr>
-          <a:xfrm>
-            <a:off x="812800" y="609600"/>
-            <a:ext cx="14768195" cy="7690485"/>
-          </a:xfrm>
-          <a:prstGeom prst="rect">
-            <a:avLst/>
-          </a:prstGeom>
-        </p:spPr>
-      </p:pic>
-    </p:spTree>
-  </p:cSld>
-  <p:clrMapOvr>
-    <a:masterClrMapping/>
-  </p:clrMapOvr>
-</p:sld>
-</file>
-
-<file path=ppt/slides/slide20.xml><?xml version="1.0" encoding="utf-8"?>
+<file path=ppt/slides/slide19.xml><?xml version="1.0" encoding="utf-8"?>
 <p:sld xmlns:a="http://schemas.openxmlformats.org/drawingml/2006/main" xmlns:r="http://schemas.openxmlformats.org/officeDocument/2006/relationships" xmlns:p="http://schemas.openxmlformats.org/presentationml/2006/main">
   <p:cSld>
     <p:spTree>
@@ -3198,7 +3023,106 @@
 </p:sld>
 </file>
 
-<file path=ppt/slides/slide21.xml><?xml version="1.0" encoding="utf-8"?>
+<file path=ppt/slides/slide2.xml><?xml version="1.0" encoding="utf-8"?>
+<p:sld xmlns:a="http://schemas.openxmlformats.org/drawingml/2006/main" xmlns:r="http://schemas.openxmlformats.org/officeDocument/2006/relationships" xmlns:p="http://schemas.openxmlformats.org/presentationml/2006/main">
+  <p:cSld>
+    <p:spTree>
+      <p:nvGrpSpPr>
+        <p:cNvPr id="1" name=""/>
+        <p:cNvGrpSpPr/>
+        <p:nvPr/>
+      </p:nvGrpSpPr>
+      <p:grpSpPr/>
+      <p:sp>
+        <p:nvSpPr>
+          <p:cNvPr id="2" name="Title 1"/>
+          <p:cNvSpPr>
+            <a:spLocks noGrp="1"/>
+          </p:cNvSpPr>
+          <p:nvPr>
+            <p:ph type="ctrTitle"/>
+          </p:nvPr>
+        </p:nvSpPr>
+        <p:spPr/>
+        <p:txBody>
+          <a:bodyPr/>
+          <a:p>
+            <a:endParaRPr lang="en-US"/>
+          </a:p>
+        </p:txBody>
+      </p:sp>
+      <p:sp>
+        <p:nvSpPr>
+          <p:cNvPr id="3" name="Subtitle 2"/>
+          <p:cNvSpPr>
+            <a:spLocks noGrp="1"/>
+          </p:cNvSpPr>
+          <p:nvPr>
+            <p:ph type="subTitle" idx="4"/>
+          </p:nvPr>
+        </p:nvSpPr>
+        <p:spPr/>
+        <p:txBody>
+          <a:bodyPr/>
+          <a:p>
+            <a:endParaRPr lang="en-US"/>
+          </a:p>
+        </p:txBody>
+      </p:sp>
+      <p:sp>
+        <p:nvSpPr>
+          <p:cNvPr id="4" name="Slide Number Placeholder 3"/>
+          <p:cNvSpPr>
+            <a:spLocks noGrp="1"/>
+          </p:cNvSpPr>
+          <p:nvPr>
+            <p:ph type="sldNum" sz="quarter" idx="7"/>
+          </p:nvPr>
+        </p:nvSpPr>
+        <p:spPr/>
+        <p:txBody>
+          <a:bodyPr/>
+          <a:p>
+            <a:fld id="{B6F15528-21DE-4FAA-801E-634DDDAF4B2B}" type="slidenum">
+              <a:rPr/>
+            </a:fld>
+            <a:endParaRPr/>
+          </a:p>
+        </p:txBody>
+      </p:sp>
+      <p:pic>
+        <p:nvPicPr>
+          <p:cNvPr id="5" name="Picture 4"/>
+          <p:cNvPicPr>
+            <a:picLocks noChangeAspect="1"/>
+          </p:cNvPicPr>
+          <p:nvPr/>
+        </p:nvPicPr>
+        <p:blipFill>
+          <a:blip r:embed="rId1"/>
+          <a:stretch>
+            <a:fillRect/>
+          </a:stretch>
+        </p:blipFill>
+        <p:spPr>
+          <a:xfrm>
+            <a:off x="812800" y="609600"/>
+            <a:ext cx="14768195" cy="7690485"/>
+          </a:xfrm>
+          <a:prstGeom prst="rect">
+            <a:avLst/>
+          </a:prstGeom>
+        </p:spPr>
+      </p:pic>
+    </p:spTree>
+  </p:cSld>
+  <p:clrMapOvr>
+    <a:masterClrMapping/>
+  </p:clrMapOvr>
+</p:sld>
+</file>
+
+<file path=ppt/slides/slide20.xml><?xml version="1.0" encoding="utf-8"?>
 <p:sld xmlns:a="http://schemas.openxmlformats.org/drawingml/2006/main" xmlns:r="http://schemas.openxmlformats.org/officeDocument/2006/relationships" xmlns:p="http://schemas.openxmlformats.org/presentationml/2006/main">
   <p:cSld>
     <p:spTree>
@@ -3372,7 +3296,7 @@
 </p:sld>
 </file>
 
-<file path=ppt/slides/slide22.xml><?xml version="1.0" encoding="utf-8"?>
+<file path=ppt/slides/slide21.xml><?xml version="1.0" encoding="utf-8"?>
 <p:sld xmlns:a="http://schemas.openxmlformats.org/drawingml/2006/main" xmlns:r="http://schemas.openxmlformats.org/officeDocument/2006/relationships" xmlns:p="http://schemas.openxmlformats.org/presentationml/2006/main">
   <p:cSld>
     <p:spTree>
@@ -3546,7 +3470,7 @@
 </p:sld>
 </file>
 
-<file path=ppt/slides/slide23.xml><?xml version="1.0" encoding="utf-8"?>
+<file path=ppt/slides/slide22.xml><?xml version="1.0" encoding="utf-8"?>
 <p:sld xmlns:a="http://schemas.openxmlformats.org/drawingml/2006/main" xmlns:r="http://schemas.openxmlformats.org/officeDocument/2006/relationships" xmlns:p="http://schemas.openxmlformats.org/presentationml/2006/main">
   <p:cSld>
     <p:spTree>
